--- a/Episode 1 - Marketing Analytics Business Case (Clean).pptx
+++ b/Episode 1 - Marketing Analytics Business Case (Clean).pptx
@@ -468,7 +468,7 @@
           <a:p>
             <a:fld id="{1E4130FF-60BC-4C0C-AEE3-7285F2A694C4}" type="datetimeFigureOut">
               <a:rPr lang="nb-NO" smtClean="0"/>
-              <a:t>04.08.2024</a:t>
+              <a:t>13.06.2025</a:t>
             </a:fld>
             <a:endParaRPr lang="nb-NO"/>
           </a:p>
@@ -668,7 +668,7 @@
           <a:p>
             <a:fld id="{1E4130FF-60BC-4C0C-AEE3-7285F2A694C4}" type="datetimeFigureOut">
               <a:rPr lang="nb-NO" smtClean="0"/>
-              <a:t>04.08.2024</a:t>
+              <a:t>13.06.2025</a:t>
             </a:fld>
             <a:endParaRPr lang="nb-NO"/>
           </a:p>
@@ -878,7 +878,7 @@
           <a:p>
             <a:fld id="{1E4130FF-60BC-4C0C-AEE3-7285F2A694C4}" type="datetimeFigureOut">
               <a:rPr lang="nb-NO" smtClean="0"/>
-              <a:t>04.08.2024</a:t>
+              <a:t>13.06.2025</a:t>
             </a:fld>
             <a:endParaRPr lang="nb-NO"/>
           </a:p>
@@ -1078,7 +1078,7 @@
           <a:p>
             <a:fld id="{1E4130FF-60BC-4C0C-AEE3-7285F2A694C4}" type="datetimeFigureOut">
               <a:rPr lang="nb-NO" smtClean="0"/>
-              <a:t>04.08.2024</a:t>
+              <a:t>13.06.2025</a:t>
             </a:fld>
             <a:endParaRPr lang="nb-NO"/>
           </a:p>
@@ -1354,7 +1354,7 @@
           <a:p>
             <a:fld id="{1E4130FF-60BC-4C0C-AEE3-7285F2A694C4}" type="datetimeFigureOut">
               <a:rPr lang="nb-NO" smtClean="0"/>
-              <a:t>04.08.2024</a:t>
+              <a:t>13.06.2025</a:t>
             </a:fld>
             <a:endParaRPr lang="nb-NO"/>
           </a:p>
@@ -1622,7 +1622,7 @@
           <a:p>
             <a:fld id="{1E4130FF-60BC-4C0C-AEE3-7285F2A694C4}" type="datetimeFigureOut">
               <a:rPr lang="nb-NO" smtClean="0"/>
-              <a:t>04.08.2024</a:t>
+              <a:t>13.06.2025</a:t>
             </a:fld>
             <a:endParaRPr lang="nb-NO"/>
           </a:p>
@@ -2037,7 +2037,7 @@
           <a:p>
             <a:fld id="{1E4130FF-60BC-4C0C-AEE3-7285F2A694C4}" type="datetimeFigureOut">
               <a:rPr lang="nb-NO" smtClean="0"/>
-              <a:t>04.08.2024</a:t>
+              <a:t>13.06.2025</a:t>
             </a:fld>
             <a:endParaRPr lang="nb-NO"/>
           </a:p>
@@ -2179,7 +2179,7 @@
           <a:p>
             <a:fld id="{1E4130FF-60BC-4C0C-AEE3-7285F2A694C4}" type="datetimeFigureOut">
               <a:rPr lang="nb-NO" smtClean="0"/>
-              <a:t>04.08.2024</a:t>
+              <a:t>13.06.2025</a:t>
             </a:fld>
             <a:endParaRPr lang="nb-NO"/>
           </a:p>
@@ -2292,7 +2292,7 @@
           <a:p>
             <a:fld id="{1E4130FF-60BC-4C0C-AEE3-7285F2A694C4}" type="datetimeFigureOut">
               <a:rPr lang="nb-NO" smtClean="0"/>
-              <a:t>04.08.2024</a:t>
+              <a:t>13.06.2025</a:t>
             </a:fld>
             <a:endParaRPr lang="nb-NO"/>
           </a:p>
@@ -2605,7 +2605,7 @@
           <a:p>
             <a:fld id="{1E4130FF-60BC-4C0C-AEE3-7285F2A694C4}" type="datetimeFigureOut">
               <a:rPr lang="nb-NO" smtClean="0"/>
-              <a:t>04.08.2024</a:t>
+              <a:t>13.06.2025</a:t>
             </a:fld>
             <a:endParaRPr lang="nb-NO"/>
           </a:p>
@@ -2894,7 +2894,7 @@
           <a:p>
             <a:fld id="{1E4130FF-60BC-4C0C-AEE3-7285F2A694C4}" type="datetimeFigureOut">
               <a:rPr lang="nb-NO" smtClean="0"/>
-              <a:t>04.08.2024</a:t>
+              <a:t>13.06.2025</a:t>
             </a:fld>
             <a:endParaRPr lang="nb-NO"/>
           </a:p>
@@ -3137,7 +3137,7 @@
           <a:p>
             <a:fld id="{1E4130FF-60BC-4C0C-AEE3-7285F2A694C4}" type="datetimeFigureOut">
               <a:rPr lang="nb-NO" smtClean="0"/>
-              <a:t>04.08.2024</a:t>
+              <a:t>13.06.2025</a:t>
             </a:fld>
             <a:endParaRPr lang="nb-NO"/>
           </a:p>
@@ -3580,37 +3580,6 @@
               <a:t>Marketing Analytics Business Case</a:t>
             </a:r>
             <a:endParaRPr lang="nb-NO" b="1" dirty="0"/>
-          </a:p>
-        </p:txBody>
-      </p:sp>
-      <p:sp>
-        <p:nvSpPr>
-          <p:cNvPr id="3" name="Subtitle 2">
-            <a:extLst>
-              <a:ext uri="{FF2B5EF4-FFF2-40B4-BE49-F238E27FC236}">
-                <a16:creationId xmlns:a16="http://schemas.microsoft.com/office/drawing/2014/main" id="{C4EAED8B-40B8-2F67-2CA2-D6CB3B6F8578}"/>
-              </a:ext>
-            </a:extLst>
-          </p:cNvPr>
-          <p:cNvSpPr>
-            <a:spLocks noGrp="1"/>
-          </p:cNvSpPr>
-          <p:nvPr>
-            <p:ph type="subTitle" idx="1"/>
-          </p:nvPr>
-        </p:nvSpPr>
-        <p:spPr/>
-        <p:txBody>
-          <a:bodyPr/>
-          <a:lstStyle/>
-          <a:p>
-            <a:r>
-              <a:rPr lang="nb-NO"/>
-              <a:t>Ali Ahmad</a:t>
-            </a:r>
-          </a:p>
-          <a:p>
-            <a:endParaRPr lang="nb-NO" dirty="0"/>
           </a:p>
         </p:txBody>
       </p:sp>
